--- a/Later/Spring/6_Spring_Auto_Component_Scanning/13/Spring Auto-Wiring Beans with @Resource setter.pptx
+++ b/Later/Spring/6_Spring_Auto_Component_Scanning/13/Spring Auto-Wiring Beans with @Resource setter.pptx
@@ -194,7 +194,7 @@
           <a:p>
             <a:fld id="{62274EC6-3890-417B-9308-14EFBD00FA63}" type="datetimeFigureOut">
               <a:rPr lang="en-US" smtClean="0"/>
-              <a:t>3/30/2018</a:t>
+              <a:t>4/2/2018</a:t>
             </a:fld>
             <a:endParaRPr lang="en-US" dirty="0"/>
           </a:p>
@@ -911,7 +911,7 @@
             <a:fld id="{1D8BD707-D9CF-40AE-B4C6-C98DA3205C09}" type="datetimeFigureOut">
               <a:rPr lang="en-US" smtClean="0"/>
               <a:pPr/>
-              <a:t>3/30/2018</a:t>
+              <a:t>4/2/2018</a:t>
             </a:fld>
             <a:endParaRPr lang="en-US" dirty="0"/>
           </a:p>
@@ -1083,7 +1083,7 @@
             <a:fld id="{1D8BD707-D9CF-40AE-B4C6-C98DA3205C09}" type="datetimeFigureOut">
               <a:rPr lang="en-US" smtClean="0"/>
               <a:pPr/>
-              <a:t>3/30/2018</a:t>
+              <a:t>4/2/2018</a:t>
             </a:fld>
             <a:endParaRPr lang="en-US" dirty="0"/>
           </a:p>
@@ -1265,7 +1265,7 @@
             <a:fld id="{1D8BD707-D9CF-40AE-B4C6-C98DA3205C09}" type="datetimeFigureOut">
               <a:rPr lang="en-US" smtClean="0"/>
               <a:pPr/>
-              <a:t>3/30/2018</a:t>
+              <a:t>4/2/2018</a:t>
             </a:fld>
             <a:endParaRPr lang="en-US" dirty="0"/>
           </a:p>
@@ -1437,7 +1437,7 @@
             <a:fld id="{1D8BD707-D9CF-40AE-B4C6-C98DA3205C09}" type="datetimeFigureOut">
               <a:rPr lang="en-US" smtClean="0"/>
               <a:pPr/>
-              <a:t>3/30/2018</a:t>
+              <a:t>4/2/2018</a:t>
             </a:fld>
             <a:endParaRPr lang="en-US" dirty="0"/>
           </a:p>
@@ -1685,7 +1685,7 @@
             <a:fld id="{1D8BD707-D9CF-40AE-B4C6-C98DA3205C09}" type="datetimeFigureOut">
               <a:rPr lang="en-US" smtClean="0"/>
               <a:pPr/>
-              <a:t>3/30/2018</a:t>
+              <a:t>4/2/2018</a:t>
             </a:fld>
             <a:endParaRPr lang="en-US" dirty="0"/>
           </a:p>
@@ -1975,7 +1975,7 @@
             <a:fld id="{1D8BD707-D9CF-40AE-B4C6-C98DA3205C09}" type="datetimeFigureOut">
               <a:rPr lang="en-US" smtClean="0"/>
               <a:pPr/>
-              <a:t>3/30/2018</a:t>
+              <a:t>4/2/2018</a:t>
             </a:fld>
             <a:endParaRPr lang="en-US" dirty="0"/>
           </a:p>
@@ -2404,7 +2404,7 @@
             <a:fld id="{1D8BD707-D9CF-40AE-B4C6-C98DA3205C09}" type="datetimeFigureOut">
               <a:rPr lang="en-US" smtClean="0"/>
               <a:pPr/>
-              <a:t>3/30/2018</a:t>
+              <a:t>4/2/2018</a:t>
             </a:fld>
             <a:endParaRPr lang="en-US" dirty="0"/>
           </a:p>
@@ -2524,7 +2524,7 @@
             <a:fld id="{1D8BD707-D9CF-40AE-B4C6-C98DA3205C09}" type="datetimeFigureOut">
               <a:rPr lang="en-US" smtClean="0"/>
               <a:pPr/>
-              <a:t>3/30/2018</a:t>
+              <a:t>4/2/2018</a:t>
             </a:fld>
             <a:endParaRPr lang="en-US" dirty="0"/>
           </a:p>
@@ -2621,7 +2621,7 @@
             <a:fld id="{1D8BD707-D9CF-40AE-B4C6-C98DA3205C09}" type="datetimeFigureOut">
               <a:rPr lang="en-US" smtClean="0"/>
               <a:pPr/>
-              <a:t>3/30/2018</a:t>
+              <a:t>4/2/2018</a:t>
             </a:fld>
             <a:endParaRPr lang="en-US" dirty="0"/>
           </a:p>
@@ -2900,7 +2900,7 @@
             <a:fld id="{1D8BD707-D9CF-40AE-B4C6-C98DA3205C09}" type="datetimeFigureOut">
               <a:rPr lang="en-US" smtClean="0"/>
               <a:pPr/>
-              <a:t>3/30/2018</a:t>
+              <a:t>4/2/2018</a:t>
             </a:fld>
             <a:endParaRPr lang="en-US" dirty="0"/>
           </a:p>
@@ -3155,7 +3155,7 @@
             <a:fld id="{1D8BD707-D9CF-40AE-B4C6-C98DA3205C09}" type="datetimeFigureOut">
               <a:rPr lang="en-US" smtClean="0"/>
               <a:pPr/>
-              <a:t>3/30/2018</a:t>
+              <a:t>4/2/2018</a:t>
             </a:fld>
             <a:endParaRPr lang="en-US" dirty="0"/>
           </a:p>
@@ -3370,7 +3370,7 @@
             <a:fld id="{1D8BD707-D9CF-40AE-B4C6-C98DA3205C09}" type="datetimeFigureOut">
               <a:rPr lang="en-US" smtClean="0"/>
               <a:pPr/>
-              <a:t>3/30/2018</a:t>
+              <a:t>4/2/2018</a:t>
             </a:fld>
             <a:endParaRPr lang="en-US" dirty="0"/>
           </a:p>
@@ -4186,15 +4186,7 @@
                   <a:srgbClr val="FF0000"/>
                 </a:solidFill>
               </a:rPr>
-              <a:t>@</a:t>
-            </a:r>
-            <a:r>
-              <a:rPr lang="en-US" sz="1200" dirty="0" smtClean="0">
-                <a:solidFill>
-                  <a:srgbClr val="FF0000"/>
-                </a:solidFill>
-              </a:rPr>
-              <a:t>Resource</a:t>
+              <a:t>@Resource</a:t>
             </a:r>
             <a:r>
               <a:rPr lang="en-US" sz="1200" dirty="0" smtClean="0"/>
@@ -4202,16 +4194,21 @@
             </a:r>
             <a:r>
               <a:rPr lang="en-US" sz="1200" dirty="0"/>
-              <a:t>annotation </a:t>
-            </a:r>
-            <a:r>
-              <a:rPr lang="en-US" sz="1200" dirty="0"/>
-              <a:t>is auto wire the bean by matching data type</a:t>
-            </a:r>
-            <a:r>
-              <a:rPr lang="en-US" sz="1200" dirty="0" smtClean="0"/>
+              <a:t>annotation is auto wire the bean by </a:t>
+            </a:r>
+            <a:r>
+              <a:rPr lang="en-US" sz="1200"/>
+              <a:t>matching </a:t>
+            </a:r>
+            <a:r>
+              <a:rPr lang="en-US" sz="1200" smtClean="0"/>
+              <a:t>name</a:t>
+            </a:r>
+            <a:r>
+              <a:rPr lang="en-US" sz="1200" smtClean="0"/>
               <a:t>.</a:t>
             </a:r>
+            <a:endParaRPr lang="en-US" sz="1200" dirty="0" smtClean="0"/>
           </a:p>
           <a:p>
             <a:pPr marL="171450" indent="-171450">
@@ -4243,19 +4240,19 @@
                   <a:srgbClr val="FF0000"/>
                 </a:solidFill>
               </a:rPr>
-              <a:t> @Resource </a:t>
-            </a:r>
-            <a:r>
-              <a:rPr lang="en-US" sz="1200" dirty="0">
-                <a:solidFill>
-                  <a:srgbClr val="FF0000"/>
-                </a:solidFill>
-              </a:rPr>
-              <a:t> </a:t>
+              <a:t> @Resource  </a:t>
             </a:r>
             <a:r>
               <a:rPr lang="en-US" sz="1200" dirty="0"/>
-              <a:t>annotation to auto wire bean on the setter method, constructor or a field. Moreover, it can autowired property in a particular </a:t>
+              <a:t>annotation to auto wire bean on the setter </a:t>
+            </a:r>
+            <a:r>
+              <a:rPr lang="en-US" sz="1200" dirty="0" smtClean="0"/>
+              <a:t>method or </a:t>
+            </a:r>
+            <a:r>
+              <a:rPr lang="en-US" sz="1200" dirty="0"/>
+              <a:t>a field. Moreover, it can autowired property in a particular </a:t>
             </a:r>
             <a:r>
               <a:rPr lang="en-US" sz="1200" dirty="0" smtClean="0"/>
